--- a/meetings/Task breakdown for 2.22.pptx
+++ b/meetings/Task breakdown for 2.22.pptx
@@ -4311,7 +4311,15 @@
             <a:pPr lvl="1"/>
             <a:r>
               <a:rPr lang="en-US" dirty="0"/>
-              <a:t>Research and create a force directed graph using JavaScript and a canvas so we can understand the algorithm. Use lookup and p5.js, it will make rendering easy</a:t>
+              <a:t>Research and create a force directed graph using JavaScript and a canvas so we can understand the algorithm. </a:t>
+            </a:r>
+            <a:r>
+              <a:rPr lang="en-US"/>
+              <a:t>Use p5</a:t>
+            </a:r>
+            <a:r>
+              <a:rPr lang="en-US" dirty="0"/>
+              <a:t>.js, it will make rendering easy</a:t>
             </a:r>
           </a:p>
           <a:p>
